--- a/ppt 16-9/0720.以马内利.pptx
+++ b/ppt 16-9/0720.以马内利.pptx
@@ -5,7 +5,7 @@
     <p:sldMasterId id="2147483648" r:id="rId1"/>
   </p:sldMasterIdLst>
   <p:sldIdLst>
-    <p:sldId id="1953" r:id="rId2"/>
+    <p:sldId id="1955" r:id="rId2"/>
   </p:sldIdLst>
   <p:sldSz cx="12192000" cy="6858000"/>
   <p:notesSz cx="6858000" cy="9144000"/>
@@ -129,7 +129,7 @@
           <p:cNvPr id="2" name="标题 1">
             <a:extLst>
               <a:ext uri="{FF2B5EF4-FFF2-40B4-BE49-F238E27FC236}">
-                <a16:creationId xmlns:a16="http://schemas.microsoft.com/office/drawing/2014/main" id="{D681B680-CC16-693A-494A-600C2A6FE670}"/>
+                <a16:creationId xmlns:a16="http://schemas.microsoft.com/office/drawing/2014/main" id="{5F2D7D09-0952-AB1B-15FC-A2C3C49A26C2}"/>
               </a:ext>
             </a:extLst>
           </p:cNvPr>
@@ -166,7 +166,7 @@
           <p:cNvPr id="3" name="副标题 2">
             <a:extLst>
               <a:ext uri="{FF2B5EF4-FFF2-40B4-BE49-F238E27FC236}">
-                <a16:creationId xmlns:a16="http://schemas.microsoft.com/office/drawing/2014/main" id="{D4E35747-8187-6E4D-F406-709D8431683A}"/>
+                <a16:creationId xmlns:a16="http://schemas.microsoft.com/office/drawing/2014/main" id="{52923D14-FA6F-5839-BE8B-559B7944DAA0}"/>
               </a:ext>
             </a:extLst>
           </p:cNvPr>
@@ -236,7 +236,7 @@
           <p:cNvPr id="4" name="日期占位符 3">
             <a:extLst>
               <a:ext uri="{FF2B5EF4-FFF2-40B4-BE49-F238E27FC236}">
-                <a16:creationId xmlns:a16="http://schemas.microsoft.com/office/drawing/2014/main" id="{17DC8D53-B22F-C10D-F337-08180B8D3DEA}"/>
+                <a16:creationId xmlns:a16="http://schemas.microsoft.com/office/drawing/2014/main" id="{BBD84866-38E6-F66A-B5FE-35D983DB0CAD}"/>
               </a:ext>
             </a:extLst>
           </p:cNvPr>
@@ -252,7 +252,7 @@
           <a:bodyPr/>
           <a:lstStyle/>
           <a:p>
-            <a:fld id="{FE428069-F624-444F-8EA3-9E9A11CE499A}" type="datetimeFigureOut">
+            <a:fld id="{649D7D32-1F17-4AD8-AE91-D4A04C6928A1}" type="datetimeFigureOut">
               <a:rPr lang="zh-CN" altLang="en-US" smtClean="0"/>
               <a:t>2024/3/10</a:t>
             </a:fld>
@@ -265,7 +265,7 @@
           <p:cNvPr id="5" name="页脚占位符 4">
             <a:extLst>
               <a:ext uri="{FF2B5EF4-FFF2-40B4-BE49-F238E27FC236}">
-                <a16:creationId xmlns:a16="http://schemas.microsoft.com/office/drawing/2014/main" id="{7D32CC29-A174-CDF5-D013-A8DEAE0D837A}"/>
+                <a16:creationId xmlns:a16="http://schemas.microsoft.com/office/drawing/2014/main" id="{495C074E-070C-4462-B6BD-0901DC85F13C}"/>
               </a:ext>
             </a:extLst>
           </p:cNvPr>
@@ -290,7 +290,7 @@
           <p:cNvPr id="6" name="灯片编号占位符 5">
             <a:extLst>
               <a:ext uri="{FF2B5EF4-FFF2-40B4-BE49-F238E27FC236}">
-                <a16:creationId xmlns:a16="http://schemas.microsoft.com/office/drawing/2014/main" id="{E68F1D63-E901-4881-5078-2F92108333DE}"/>
+                <a16:creationId xmlns:a16="http://schemas.microsoft.com/office/drawing/2014/main" id="{66FF9797-8A1F-A490-8D18-CFF5FE666049}"/>
               </a:ext>
             </a:extLst>
           </p:cNvPr>
@@ -306,7 +306,7 @@
           <a:bodyPr/>
           <a:lstStyle/>
           <a:p>
-            <a:fld id="{D59BEFF7-5471-45DC-B5A9-599C9204AE70}" type="slidenum">
+            <a:fld id="{678C01EA-8731-47A1-A71D-88223EBADF5A}" type="slidenum">
               <a:rPr lang="zh-CN" altLang="en-US" smtClean="0"/>
               <a:t>‹#›</a:t>
             </a:fld>
@@ -317,7 +317,7 @@
     </p:spTree>
     <p:extLst>
       <p:ext uri="{BB962C8B-B14F-4D97-AF65-F5344CB8AC3E}">
-        <p14:creationId xmlns:p14="http://schemas.microsoft.com/office/powerpoint/2010/main" val="458849355"/>
+        <p14:creationId xmlns:p14="http://schemas.microsoft.com/office/powerpoint/2010/main" val="2476192111"/>
       </p:ext>
     </p:extLst>
   </p:cSld>
@@ -349,7 +349,7 @@
           <p:cNvPr id="2" name="标题 1">
             <a:extLst>
               <a:ext uri="{FF2B5EF4-FFF2-40B4-BE49-F238E27FC236}">
-                <a16:creationId xmlns:a16="http://schemas.microsoft.com/office/drawing/2014/main" id="{927A598A-EC08-0391-CA9D-78640378F48D}"/>
+                <a16:creationId xmlns:a16="http://schemas.microsoft.com/office/drawing/2014/main" id="{F2A9A147-B094-D036-3CE2-BCAFBA0286D2}"/>
               </a:ext>
             </a:extLst>
           </p:cNvPr>
@@ -377,7 +377,7 @@
           <p:cNvPr id="3" name="竖排文字占位符 2">
             <a:extLst>
               <a:ext uri="{FF2B5EF4-FFF2-40B4-BE49-F238E27FC236}">
-                <a16:creationId xmlns:a16="http://schemas.microsoft.com/office/drawing/2014/main" id="{295C977D-08C4-1451-F9DF-3520B1116DCB}"/>
+                <a16:creationId xmlns:a16="http://schemas.microsoft.com/office/drawing/2014/main" id="{38468540-52ED-64CA-8CD4-5757C8F42AA8}"/>
               </a:ext>
             </a:extLst>
           </p:cNvPr>
@@ -434,7 +434,7 @@
           <p:cNvPr id="4" name="日期占位符 3">
             <a:extLst>
               <a:ext uri="{FF2B5EF4-FFF2-40B4-BE49-F238E27FC236}">
-                <a16:creationId xmlns:a16="http://schemas.microsoft.com/office/drawing/2014/main" id="{228FB58D-416C-6E01-8B59-F91DAE351EBE}"/>
+                <a16:creationId xmlns:a16="http://schemas.microsoft.com/office/drawing/2014/main" id="{0CE175C2-744A-5F9F-2EC1-676D18662AE8}"/>
               </a:ext>
             </a:extLst>
           </p:cNvPr>
@@ -450,7 +450,7 @@
           <a:bodyPr/>
           <a:lstStyle/>
           <a:p>
-            <a:fld id="{FE428069-F624-444F-8EA3-9E9A11CE499A}" type="datetimeFigureOut">
+            <a:fld id="{649D7D32-1F17-4AD8-AE91-D4A04C6928A1}" type="datetimeFigureOut">
               <a:rPr lang="zh-CN" altLang="en-US" smtClean="0"/>
               <a:t>2024/3/10</a:t>
             </a:fld>
@@ -463,7 +463,7 @@
           <p:cNvPr id="5" name="页脚占位符 4">
             <a:extLst>
               <a:ext uri="{FF2B5EF4-FFF2-40B4-BE49-F238E27FC236}">
-                <a16:creationId xmlns:a16="http://schemas.microsoft.com/office/drawing/2014/main" id="{1ED93997-9015-0CBD-FD61-5E2201C9912A}"/>
+                <a16:creationId xmlns:a16="http://schemas.microsoft.com/office/drawing/2014/main" id="{9A9DDC95-251E-6D92-D45E-B41527131D43}"/>
               </a:ext>
             </a:extLst>
           </p:cNvPr>
@@ -488,7 +488,7 @@
           <p:cNvPr id="6" name="灯片编号占位符 5">
             <a:extLst>
               <a:ext uri="{FF2B5EF4-FFF2-40B4-BE49-F238E27FC236}">
-                <a16:creationId xmlns:a16="http://schemas.microsoft.com/office/drawing/2014/main" id="{FBF2C18D-077A-2DA2-47BB-FDD521EE4409}"/>
+                <a16:creationId xmlns:a16="http://schemas.microsoft.com/office/drawing/2014/main" id="{5F17BC20-BD9B-68C7-3F69-18391DE1D079}"/>
               </a:ext>
             </a:extLst>
           </p:cNvPr>
@@ -504,7 +504,7 @@
           <a:bodyPr/>
           <a:lstStyle/>
           <a:p>
-            <a:fld id="{D59BEFF7-5471-45DC-B5A9-599C9204AE70}" type="slidenum">
+            <a:fld id="{678C01EA-8731-47A1-A71D-88223EBADF5A}" type="slidenum">
               <a:rPr lang="zh-CN" altLang="en-US" smtClean="0"/>
               <a:t>‹#›</a:t>
             </a:fld>
@@ -515,7 +515,7 @@
     </p:spTree>
     <p:extLst>
       <p:ext uri="{BB962C8B-B14F-4D97-AF65-F5344CB8AC3E}">
-        <p14:creationId xmlns:p14="http://schemas.microsoft.com/office/powerpoint/2010/main" val="4203964842"/>
+        <p14:creationId xmlns:p14="http://schemas.microsoft.com/office/powerpoint/2010/main" val="3045001789"/>
       </p:ext>
     </p:extLst>
   </p:cSld>
@@ -547,7 +547,7 @@
           <p:cNvPr id="2" name="竖排标题 1">
             <a:extLst>
               <a:ext uri="{FF2B5EF4-FFF2-40B4-BE49-F238E27FC236}">
-                <a16:creationId xmlns:a16="http://schemas.microsoft.com/office/drawing/2014/main" id="{A9431EBA-B58A-335B-254D-35E1CDD001EE}"/>
+                <a16:creationId xmlns:a16="http://schemas.microsoft.com/office/drawing/2014/main" id="{D759F505-DD80-B271-127D-8C7138C033C7}"/>
               </a:ext>
             </a:extLst>
           </p:cNvPr>
@@ -580,7 +580,7 @@
           <p:cNvPr id="3" name="竖排文字占位符 2">
             <a:extLst>
               <a:ext uri="{FF2B5EF4-FFF2-40B4-BE49-F238E27FC236}">
-                <a16:creationId xmlns:a16="http://schemas.microsoft.com/office/drawing/2014/main" id="{3CC8DDE5-D905-7F51-9E92-727CBB51DDCC}"/>
+                <a16:creationId xmlns:a16="http://schemas.microsoft.com/office/drawing/2014/main" id="{774001D6-FFBC-4D04-0349-9FD239B481F0}"/>
               </a:ext>
             </a:extLst>
           </p:cNvPr>
@@ -642,7 +642,7 @@
           <p:cNvPr id="4" name="日期占位符 3">
             <a:extLst>
               <a:ext uri="{FF2B5EF4-FFF2-40B4-BE49-F238E27FC236}">
-                <a16:creationId xmlns:a16="http://schemas.microsoft.com/office/drawing/2014/main" id="{3D94B22E-FD4F-2B56-411D-257D328497F4}"/>
+                <a16:creationId xmlns:a16="http://schemas.microsoft.com/office/drawing/2014/main" id="{815F6FB3-25B5-BBC8-45B9-9E4DA19FF517}"/>
               </a:ext>
             </a:extLst>
           </p:cNvPr>
@@ -658,7 +658,7 @@
           <a:bodyPr/>
           <a:lstStyle/>
           <a:p>
-            <a:fld id="{FE428069-F624-444F-8EA3-9E9A11CE499A}" type="datetimeFigureOut">
+            <a:fld id="{649D7D32-1F17-4AD8-AE91-D4A04C6928A1}" type="datetimeFigureOut">
               <a:rPr lang="zh-CN" altLang="en-US" smtClean="0"/>
               <a:t>2024/3/10</a:t>
             </a:fld>
@@ -671,7 +671,7 @@
           <p:cNvPr id="5" name="页脚占位符 4">
             <a:extLst>
               <a:ext uri="{FF2B5EF4-FFF2-40B4-BE49-F238E27FC236}">
-                <a16:creationId xmlns:a16="http://schemas.microsoft.com/office/drawing/2014/main" id="{558186F2-CAFD-C57F-CE5C-5114EE39D11E}"/>
+                <a16:creationId xmlns:a16="http://schemas.microsoft.com/office/drawing/2014/main" id="{F54F4520-FEB2-3AE4-02F2-E1500AF3A043}"/>
               </a:ext>
             </a:extLst>
           </p:cNvPr>
@@ -696,7 +696,7 @@
           <p:cNvPr id="6" name="灯片编号占位符 5">
             <a:extLst>
               <a:ext uri="{FF2B5EF4-FFF2-40B4-BE49-F238E27FC236}">
-                <a16:creationId xmlns:a16="http://schemas.microsoft.com/office/drawing/2014/main" id="{F776BEBA-7608-9497-B8F3-E194FC4BE60D}"/>
+                <a16:creationId xmlns:a16="http://schemas.microsoft.com/office/drawing/2014/main" id="{77577C0C-B689-E2D8-36C4-37ED508F8BA2}"/>
               </a:ext>
             </a:extLst>
           </p:cNvPr>
@@ -712,7 +712,7 @@
           <a:bodyPr/>
           <a:lstStyle/>
           <a:p>
-            <a:fld id="{D59BEFF7-5471-45DC-B5A9-599C9204AE70}" type="slidenum">
+            <a:fld id="{678C01EA-8731-47A1-A71D-88223EBADF5A}" type="slidenum">
               <a:rPr lang="zh-CN" altLang="en-US" smtClean="0"/>
               <a:t>‹#›</a:t>
             </a:fld>
@@ -723,7 +723,7 @@
     </p:spTree>
     <p:extLst>
       <p:ext uri="{BB962C8B-B14F-4D97-AF65-F5344CB8AC3E}">
-        <p14:creationId xmlns:p14="http://schemas.microsoft.com/office/powerpoint/2010/main" val="3996552235"/>
+        <p14:creationId xmlns:p14="http://schemas.microsoft.com/office/powerpoint/2010/main" val="4003268201"/>
       </p:ext>
     </p:extLst>
   </p:cSld>
@@ -755,7 +755,7 @@
           <p:cNvPr id="2" name="标题 1">
             <a:extLst>
               <a:ext uri="{FF2B5EF4-FFF2-40B4-BE49-F238E27FC236}">
-                <a16:creationId xmlns:a16="http://schemas.microsoft.com/office/drawing/2014/main" id="{B5F37B9E-27D3-82BD-2041-607498F667EB}"/>
+                <a16:creationId xmlns:a16="http://schemas.microsoft.com/office/drawing/2014/main" id="{4C7487B6-2470-3B42-FA68-DAF56098A885}"/>
               </a:ext>
             </a:extLst>
           </p:cNvPr>
@@ -783,7 +783,7 @@
           <p:cNvPr id="3" name="内容占位符 2">
             <a:extLst>
               <a:ext uri="{FF2B5EF4-FFF2-40B4-BE49-F238E27FC236}">
-                <a16:creationId xmlns:a16="http://schemas.microsoft.com/office/drawing/2014/main" id="{E46F0BDC-EC1F-3A69-966B-564A88C02760}"/>
+                <a16:creationId xmlns:a16="http://schemas.microsoft.com/office/drawing/2014/main" id="{0CC4C358-8A57-A070-E1C5-9BF4BB48EBA4}"/>
               </a:ext>
             </a:extLst>
           </p:cNvPr>
@@ -840,7 +840,7 @@
           <p:cNvPr id="4" name="日期占位符 3">
             <a:extLst>
               <a:ext uri="{FF2B5EF4-FFF2-40B4-BE49-F238E27FC236}">
-                <a16:creationId xmlns:a16="http://schemas.microsoft.com/office/drawing/2014/main" id="{5F4E0958-4F7A-3270-909B-799D6419B872}"/>
+                <a16:creationId xmlns:a16="http://schemas.microsoft.com/office/drawing/2014/main" id="{AA065B3C-1C88-6057-ABE6-DC8FF3A4171A}"/>
               </a:ext>
             </a:extLst>
           </p:cNvPr>
@@ -856,7 +856,7 @@
           <a:bodyPr/>
           <a:lstStyle/>
           <a:p>
-            <a:fld id="{FE428069-F624-444F-8EA3-9E9A11CE499A}" type="datetimeFigureOut">
+            <a:fld id="{649D7D32-1F17-4AD8-AE91-D4A04C6928A1}" type="datetimeFigureOut">
               <a:rPr lang="zh-CN" altLang="en-US" smtClean="0"/>
               <a:t>2024/3/10</a:t>
             </a:fld>
@@ -869,7 +869,7 @@
           <p:cNvPr id="5" name="页脚占位符 4">
             <a:extLst>
               <a:ext uri="{FF2B5EF4-FFF2-40B4-BE49-F238E27FC236}">
-                <a16:creationId xmlns:a16="http://schemas.microsoft.com/office/drawing/2014/main" id="{033DC10F-D722-C71C-2845-55F1D979833F}"/>
+                <a16:creationId xmlns:a16="http://schemas.microsoft.com/office/drawing/2014/main" id="{C468196D-26BF-6277-ED5D-9127E1A34668}"/>
               </a:ext>
             </a:extLst>
           </p:cNvPr>
@@ -894,7 +894,7 @@
           <p:cNvPr id="6" name="灯片编号占位符 5">
             <a:extLst>
               <a:ext uri="{FF2B5EF4-FFF2-40B4-BE49-F238E27FC236}">
-                <a16:creationId xmlns:a16="http://schemas.microsoft.com/office/drawing/2014/main" id="{7764316C-4788-322E-E871-44C87961E3F1}"/>
+                <a16:creationId xmlns:a16="http://schemas.microsoft.com/office/drawing/2014/main" id="{B933B013-F35E-74EB-D3BD-0E96C9AC15B7}"/>
               </a:ext>
             </a:extLst>
           </p:cNvPr>
@@ -910,7 +910,7 @@
           <a:bodyPr/>
           <a:lstStyle/>
           <a:p>
-            <a:fld id="{D59BEFF7-5471-45DC-B5A9-599C9204AE70}" type="slidenum">
+            <a:fld id="{678C01EA-8731-47A1-A71D-88223EBADF5A}" type="slidenum">
               <a:rPr lang="zh-CN" altLang="en-US" smtClean="0"/>
               <a:t>‹#›</a:t>
             </a:fld>
@@ -921,7 +921,7 @@
     </p:spTree>
     <p:extLst>
       <p:ext uri="{BB962C8B-B14F-4D97-AF65-F5344CB8AC3E}">
-        <p14:creationId xmlns:p14="http://schemas.microsoft.com/office/powerpoint/2010/main" val="1147445449"/>
+        <p14:creationId xmlns:p14="http://schemas.microsoft.com/office/powerpoint/2010/main" val="2908342557"/>
       </p:ext>
     </p:extLst>
   </p:cSld>
@@ -953,7 +953,7 @@
           <p:cNvPr id="2" name="标题 1">
             <a:extLst>
               <a:ext uri="{FF2B5EF4-FFF2-40B4-BE49-F238E27FC236}">
-                <a16:creationId xmlns:a16="http://schemas.microsoft.com/office/drawing/2014/main" id="{41583F08-B2D9-F519-B1DF-B1A9120894B1}"/>
+                <a16:creationId xmlns:a16="http://schemas.microsoft.com/office/drawing/2014/main" id="{2B867FB2-8088-205D-9BA4-8E8B965C1D9E}"/>
               </a:ext>
             </a:extLst>
           </p:cNvPr>
@@ -990,7 +990,7 @@
           <p:cNvPr id="3" name="文本占位符 2">
             <a:extLst>
               <a:ext uri="{FF2B5EF4-FFF2-40B4-BE49-F238E27FC236}">
-                <a16:creationId xmlns:a16="http://schemas.microsoft.com/office/drawing/2014/main" id="{E0FF2AF8-6572-8498-E418-74F0BFB3CDA3}"/>
+                <a16:creationId xmlns:a16="http://schemas.microsoft.com/office/drawing/2014/main" id="{C6E29945-FBC2-4B0B-3E2E-6FC20F470D89}"/>
               </a:ext>
             </a:extLst>
           </p:cNvPr>
@@ -1115,7 +1115,7 @@
           <p:cNvPr id="4" name="日期占位符 3">
             <a:extLst>
               <a:ext uri="{FF2B5EF4-FFF2-40B4-BE49-F238E27FC236}">
-                <a16:creationId xmlns:a16="http://schemas.microsoft.com/office/drawing/2014/main" id="{4617F272-A46F-2388-1548-374B91B9DA54}"/>
+                <a16:creationId xmlns:a16="http://schemas.microsoft.com/office/drawing/2014/main" id="{C8971847-B913-8ACE-8C14-FE6DDF995B1A}"/>
               </a:ext>
             </a:extLst>
           </p:cNvPr>
@@ -1131,7 +1131,7 @@
           <a:bodyPr/>
           <a:lstStyle/>
           <a:p>
-            <a:fld id="{FE428069-F624-444F-8EA3-9E9A11CE499A}" type="datetimeFigureOut">
+            <a:fld id="{649D7D32-1F17-4AD8-AE91-D4A04C6928A1}" type="datetimeFigureOut">
               <a:rPr lang="zh-CN" altLang="en-US" smtClean="0"/>
               <a:t>2024/3/10</a:t>
             </a:fld>
@@ -1144,7 +1144,7 @@
           <p:cNvPr id="5" name="页脚占位符 4">
             <a:extLst>
               <a:ext uri="{FF2B5EF4-FFF2-40B4-BE49-F238E27FC236}">
-                <a16:creationId xmlns:a16="http://schemas.microsoft.com/office/drawing/2014/main" id="{E7784475-E38B-8741-D6D4-FD0DD955B06F}"/>
+                <a16:creationId xmlns:a16="http://schemas.microsoft.com/office/drawing/2014/main" id="{D9D3833B-A286-1F8B-B541-7AF4E8DC3CF2}"/>
               </a:ext>
             </a:extLst>
           </p:cNvPr>
@@ -1169,7 +1169,7 @@
           <p:cNvPr id="6" name="灯片编号占位符 5">
             <a:extLst>
               <a:ext uri="{FF2B5EF4-FFF2-40B4-BE49-F238E27FC236}">
-                <a16:creationId xmlns:a16="http://schemas.microsoft.com/office/drawing/2014/main" id="{E6B54075-1C77-CE85-81AB-FD0545FBB837}"/>
+                <a16:creationId xmlns:a16="http://schemas.microsoft.com/office/drawing/2014/main" id="{4D132CA4-6383-4752-4D56-8C398397D4CF}"/>
               </a:ext>
             </a:extLst>
           </p:cNvPr>
@@ -1185,7 +1185,7 @@
           <a:bodyPr/>
           <a:lstStyle/>
           <a:p>
-            <a:fld id="{D59BEFF7-5471-45DC-B5A9-599C9204AE70}" type="slidenum">
+            <a:fld id="{678C01EA-8731-47A1-A71D-88223EBADF5A}" type="slidenum">
               <a:rPr lang="zh-CN" altLang="en-US" smtClean="0"/>
               <a:t>‹#›</a:t>
             </a:fld>
@@ -1196,7 +1196,7 @@
     </p:spTree>
     <p:extLst>
       <p:ext uri="{BB962C8B-B14F-4D97-AF65-F5344CB8AC3E}">
-        <p14:creationId xmlns:p14="http://schemas.microsoft.com/office/powerpoint/2010/main" val="214253638"/>
+        <p14:creationId xmlns:p14="http://schemas.microsoft.com/office/powerpoint/2010/main" val="2614056276"/>
       </p:ext>
     </p:extLst>
   </p:cSld>
@@ -1228,7 +1228,7 @@
           <p:cNvPr id="2" name="标题 1">
             <a:extLst>
               <a:ext uri="{FF2B5EF4-FFF2-40B4-BE49-F238E27FC236}">
-                <a16:creationId xmlns:a16="http://schemas.microsoft.com/office/drawing/2014/main" id="{09110A85-92B2-BF4E-F8CB-79A2B8F91FC2}"/>
+                <a16:creationId xmlns:a16="http://schemas.microsoft.com/office/drawing/2014/main" id="{AC330F67-0883-29D3-BC11-CB1753349C46}"/>
               </a:ext>
             </a:extLst>
           </p:cNvPr>
@@ -1256,7 +1256,7 @@
           <p:cNvPr id="3" name="内容占位符 2">
             <a:extLst>
               <a:ext uri="{FF2B5EF4-FFF2-40B4-BE49-F238E27FC236}">
-                <a16:creationId xmlns:a16="http://schemas.microsoft.com/office/drawing/2014/main" id="{AA05D09C-2649-914A-CEB1-75B6B6B9AABD}"/>
+                <a16:creationId xmlns:a16="http://schemas.microsoft.com/office/drawing/2014/main" id="{20ECD329-98D5-1B43-831E-A8C4B23B76E2}"/>
               </a:ext>
             </a:extLst>
           </p:cNvPr>
@@ -1318,7 +1318,7 @@
           <p:cNvPr id="4" name="内容占位符 3">
             <a:extLst>
               <a:ext uri="{FF2B5EF4-FFF2-40B4-BE49-F238E27FC236}">
-                <a16:creationId xmlns:a16="http://schemas.microsoft.com/office/drawing/2014/main" id="{459A19F6-C626-BA90-BDD4-E4F052B8A893}"/>
+                <a16:creationId xmlns:a16="http://schemas.microsoft.com/office/drawing/2014/main" id="{16B7393D-EC08-33E6-F424-C1DC6BAAF8CB}"/>
               </a:ext>
             </a:extLst>
           </p:cNvPr>
@@ -1380,7 +1380,7 @@
           <p:cNvPr id="5" name="日期占位符 4">
             <a:extLst>
               <a:ext uri="{FF2B5EF4-FFF2-40B4-BE49-F238E27FC236}">
-                <a16:creationId xmlns:a16="http://schemas.microsoft.com/office/drawing/2014/main" id="{F2F8C918-DD38-63EB-5FAC-72859EEBA479}"/>
+                <a16:creationId xmlns:a16="http://schemas.microsoft.com/office/drawing/2014/main" id="{7262BC7D-8206-97C0-D5A8-7BEABED003BB}"/>
               </a:ext>
             </a:extLst>
           </p:cNvPr>
@@ -1396,7 +1396,7 @@
           <a:bodyPr/>
           <a:lstStyle/>
           <a:p>
-            <a:fld id="{FE428069-F624-444F-8EA3-9E9A11CE499A}" type="datetimeFigureOut">
+            <a:fld id="{649D7D32-1F17-4AD8-AE91-D4A04C6928A1}" type="datetimeFigureOut">
               <a:rPr lang="zh-CN" altLang="en-US" smtClean="0"/>
               <a:t>2024/3/10</a:t>
             </a:fld>
@@ -1409,7 +1409,7 @@
           <p:cNvPr id="6" name="页脚占位符 5">
             <a:extLst>
               <a:ext uri="{FF2B5EF4-FFF2-40B4-BE49-F238E27FC236}">
-                <a16:creationId xmlns:a16="http://schemas.microsoft.com/office/drawing/2014/main" id="{BC2F0BFE-9374-239C-E56C-5967C4AD4AA8}"/>
+                <a16:creationId xmlns:a16="http://schemas.microsoft.com/office/drawing/2014/main" id="{E1E74AEC-29D9-622E-322A-A7AF81E7D123}"/>
               </a:ext>
             </a:extLst>
           </p:cNvPr>
@@ -1434,7 +1434,7 @@
           <p:cNvPr id="7" name="灯片编号占位符 6">
             <a:extLst>
               <a:ext uri="{FF2B5EF4-FFF2-40B4-BE49-F238E27FC236}">
-                <a16:creationId xmlns:a16="http://schemas.microsoft.com/office/drawing/2014/main" id="{9F6B3680-EF86-63D8-EA16-0A156870FBD8}"/>
+                <a16:creationId xmlns:a16="http://schemas.microsoft.com/office/drawing/2014/main" id="{33A0FF03-BB0E-2B70-6092-04DA8A4DC3F7}"/>
               </a:ext>
             </a:extLst>
           </p:cNvPr>
@@ -1450,7 +1450,7 @@
           <a:bodyPr/>
           <a:lstStyle/>
           <a:p>
-            <a:fld id="{D59BEFF7-5471-45DC-B5A9-599C9204AE70}" type="slidenum">
+            <a:fld id="{678C01EA-8731-47A1-A71D-88223EBADF5A}" type="slidenum">
               <a:rPr lang="zh-CN" altLang="en-US" smtClean="0"/>
               <a:t>‹#›</a:t>
             </a:fld>
@@ -1461,7 +1461,7 @@
     </p:spTree>
     <p:extLst>
       <p:ext uri="{BB962C8B-B14F-4D97-AF65-F5344CB8AC3E}">
-        <p14:creationId xmlns:p14="http://schemas.microsoft.com/office/powerpoint/2010/main" val="2813753963"/>
+        <p14:creationId xmlns:p14="http://schemas.microsoft.com/office/powerpoint/2010/main" val="3762539316"/>
       </p:ext>
     </p:extLst>
   </p:cSld>
@@ -1493,7 +1493,7 @@
           <p:cNvPr id="2" name="标题 1">
             <a:extLst>
               <a:ext uri="{FF2B5EF4-FFF2-40B4-BE49-F238E27FC236}">
-                <a16:creationId xmlns:a16="http://schemas.microsoft.com/office/drawing/2014/main" id="{DB1E5023-E441-AF15-8429-DC210516CAC3}"/>
+                <a16:creationId xmlns:a16="http://schemas.microsoft.com/office/drawing/2014/main" id="{20A7A636-7234-4473-7B8F-9B6B21A26154}"/>
               </a:ext>
             </a:extLst>
           </p:cNvPr>
@@ -1526,7 +1526,7 @@
           <p:cNvPr id="3" name="文本占位符 2">
             <a:extLst>
               <a:ext uri="{FF2B5EF4-FFF2-40B4-BE49-F238E27FC236}">
-                <a16:creationId xmlns:a16="http://schemas.microsoft.com/office/drawing/2014/main" id="{C6C36823-D36A-6A0C-7D17-30F9020F1311}"/>
+                <a16:creationId xmlns:a16="http://schemas.microsoft.com/office/drawing/2014/main" id="{F5C8B7FD-72C6-2CCB-59AA-40D7035BA40A}"/>
               </a:ext>
             </a:extLst>
           </p:cNvPr>
@@ -1597,7 +1597,7 @@
           <p:cNvPr id="4" name="内容占位符 3">
             <a:extLst>
               <a:ext uri="{FF2B5EF4-FFF2-40B4-BE49-F238E27FC236}">
-                <a16:creationId xmlns:a16="http://schemas.microsoft.com/office/drawing/2014/main" id="{D8FE13BC-D6A2-F882-2922-5C57E23F324F}"/>
+                <a16:creationId xmlns:a16="http://schemas.microsoft.com/office/drawing/2014/main" id="{DE5659C8-D2C5-6060-E87C-F79AA861C0A9}"/>
               </a:ext>
             </a:extLst>
           </p:cNvPr>
@@ -1659,7 +1659,7 @@
           <p:cNvPr id="5" name="文本占位符 4">
             <a:extLst>
               <a:ext uri="{FF2B5EF4-FFF2-40B4-BE49-F238E27FC236}">
-                <a16:creationId xmlns:a16="http://schemas.microsoft.com/office/drawing/2014/main" id="{42464FB6-7116-5504-D7D4-E2AEC20C3F12}"/>
+                <a16:creationId xmlns:a16="http://schemas.microsoft.com/office/drawing/2014/main" id="{3F1BC9B7-A3F1-4896-1039-918B2A655E8C}"/>
               </a:ext>
             </a:extLst>
           </p:cNvPr>
@@ -1730,7 +1730,7 @@
           <p:cNvPr id="6" name="内容占位符 5">
             <a:extLst>
               <a:ext uri="{FF2B5EF4-FFF2-40B4-BE49-F238E27FC236}">
-                <a16:creationId xmlns:a16="http://schemas.microsoft.com/office/drawing/2014/main" id="{7D95EA23-2A5E-278D-ADD4-95294A7EBF62}"/>
+                <a16:creationId xmlns:a16="http://schemas.microsoft.com/office/drawing/2014/main" id="{C7981265-C7FE-DA9B-FDFE-9B8DE4DB58AE}"/>
               </a:ext>
             </a:extLst>
           </p:cNvPr>
@@ -1792,7 +1792,7 @@
           <p:cNvPr id="7" name="日期占位符 6">
             <a:extLst>
               <a:ext uri="{FF2B5EF4-FFF2-40B4-BE49-F238E27FC236}">
-                <a16:creationId xmlns:a16="http://schemas.microsoft.com/office/drawing/2014/main" id="{EBFFF222-543F-4CA8-F7E8-677C91F9FE61}"/>
+                <a16:creationId xmlns:a16="http://schemas.microsoft.com/office/drawing/2014/main" id="{23F9854E-393E-2FE1-1456-ECCAC51EACC2}"/>
               </a:ext>
             </a:extLst>
           </p:cNvPr>
@@ -1808,7 +1808,7 @@
           <a:bodyPr/>
           <a:lstStyle/>
           <a:p>
-            <a:fld id="{FE428069-F624-444F-8EA3-9E9A11CE499A}" type="datetimeFigureOut">
+            <a:fld id="{649D7D32-1F17-4AD8-AE91-D4A04C6928A1}" type="datetimeFigureOut">
               <a:rPr lang="zh-CN" altLang="en-US" smtClean="0"/>
               <a:t>2024/3/10</a:t>
             </a:fld>
@@ -1821,7 +1821,7 @@
           <p:cNvPr id="8" name="页脚占位符 7">
             <a:extLst>
               <a:ext uri="{FF2B5EF4-FFF2-40B4-BE49-F238E27FC236}">
-                <a16:creationId xmlns:a16="http://schemas.microsoft.com/office/drawing/2014/main" id="{8E61F31F-001C-913A-A0A1-77C46813A470}"/>
+                <a16:creationId xmlns:a16="http://schemas.microsoft.com/office/drawing/2014/main" id="{817288F4-46CE-78B8-B8CE-CDCD50D93614}"/>
               </a:ext>
             </a:extLst>
           </p:cNvPr>
@@ -1846,7 +1846,7 @@
           <p:cNvPr id="9" name="灯片编号占位符 8">
             <a:extLst>
               <a:ext uri="{FF2B5EF4-FFF2-40B4-BE49-F238E27FC236}">
-                <a16:creationId xmlns:a16="http://schemas.microsoft.com/office/drawing/2014/main" id="{C261213C-74DE-5FA7-218C-5F41F4EF9FDE}"/>
+                <a16:creationId xmlns:a16="http://schemas.microsoft.com/office/drawing/2014/main" id="{2DA04BEE-712A-145F-8FF0-154CF758E987}"/>
               </a:ext>
             </a:extLst>
           </p:cNvPr>
@@ -1862,7 +1862,7 @@
           <a:bodyPr/>
           <a:lstStyle/>
           <a:p>
-            <a:fld id="{D59BEFF7-5471-45DC-B5A9-599C9204AE70}" type="slidenum">
+            <a:fld id="{678C01EA-8731-47A1-A71D-88223EBADF5A}" type="slidenum">
               <a:rPr lang="zh-CN" altLang="en-US" smtClean="0"/>
               <a:t>‹#›</a:t>
             </a:fld>
@@ -1873,7 +1873,7 @@
     </p:spTree>
     <p:extLst>
       <p:ext uri="{BB962C8B-B14F-4D97-AF65-F5344CB8AC3E}">
-        <p14:creationId xmlns:p14="http://schemas.microsoft.com/office/powerpoint/2010/main" val="3359375955"/>
+        <p14:creationId xmlns:p14="http://schemas.microsoft.com/office/powerpoint/2010/main" val="4173064852"/>
       </p:ext>
     </p:extLst>
   </p:cSld>
@@ -1905,7 +1905,7 @@
           <p:cNvPr id="2" name="标题 1">
             <a:extLst>
               <a:ext uri="{FF2B5EF4-FFF2-40B4-BE49-F238E27FC236}">
-                <a16:creationId xmlns:a16="http://schemas.microsoft.com/office/drawing/2014/main" id="{F1F8B135-4349-46AC-174E-EE6DFDCA5204}"/>
+                <a16:creationId xmlns:a16="http://schemas.microsoft.com/office/drawing/2014/main" id="{0DB9E0C8-2CA4-2F34-51D8-B0DED9E71484}"/>
               </a:ext>
             </a:extLst>
           </p:cNvPr>
@@ -1933,7 +1933,7 @@
           <p:cNvPr id="3" name="日期占位符 2">
             <a:extLst>
               <a:ext uri="{FF2B5EF4-FFF2-40B4-BE49-F238E27FC236}">
-                <a16:creationId xmlns:a16="http://schemas.microsoft.com/office/drawing/2014/main" id="{80860904-7748-B6CD-E1A9-C2B25F84CDF6}"/>
+                <a16:creationId xmlns:a16="http://schemas.microsoft.com/office/drawing/2014/main" id="{07E4ACA3-562F-0B93-01C2-57FD78CCBD18}"/>
               </a:ext>
             </a:extLst>
           </p:cNvPr>
@@ -1949,7 +1949,7 @@
           <a:bodyPr/>
           <a:lstStyle/>
           <a:p>
-            <a:fld id="{FE428069-F624-444F-8EA3-9E9A11CE499A}" type="datetimeFigureOut">
+            <a:fld id="{649D7D32-1F17-4AD8-AE91-D4A04C6928A1}" type="datetimeFigureOut">
               <a:rPr lang="zh-CN" altLang="en-US" smtClean="0"/>
               <a:t>2024/3/10</a:t>
             </a:fld>
@@ -1962,7 +1962,7 @@
           <p:cNvPr id="4" name="页脚占位符 3">
             <a:extLst>
               <a:ext uri="{FF2B5EF4-FFF2-40B4-BE49-F238E27FC236}">
-                <a16:creationId xmlns:a16="http://schemas.microsoft.com/office/drawing/2014/main" id="{9FA0EE61-CEB9-89FC-2507-927F55BDCED8}"/>
+                <a16:creationId xmlns:a16="http://schemas.microsoft.com/office/drawing/2014/main" id="{85AD1143-E5B0-325E-BF7B-D5768313AF83}"/>
               </a:ext>
             </a:extLst>
           </p:cNvPr>
@@ -1987,7 +1987,7 @@
           <p:cNvPr id="5" name="灯片编号占位符 4">
             <a:extLst>
               <a:ext uri="{FF2B5EF4-FFF2-40B4-BE49-F238E27FC236}">
-                <a16:creationId xmlns:a16="http://schemas.microsoft.com/office/drawing/2014/main" id="{4DA79B6A-1984-B52A-3166-A142A7666F13}"/>
+                <a16:creationId xmlns:a16="http://schemas.microsoft.com/office/drawing/2014/main" id="{6042862F-DE31-308F-2B89-C170E584E33B}"/>
               </a:ext>
             </a:extLst>
           </p:cNvPr>
@@ -2003,7 +2003,7 @@
           <a:bodyPr/>
           <a:lstStyle/>
           <a:p>
-            <a:fld id="{D59BEFF7-5471-45DC-B5A9-599C9204AE70}" type="slidenum">
+            <a:fld id="{678C01EA-8731-47A1-A71D-88223EBADF5A}" type="slidenum">
               <a:rPr lang="zh-CN" altLang="en-US" smtClean="0"/>
               <a:t>‹#›</a:t>
             </a:fld>
@@ -2014,7 +2014,7 @@
     </p:spTree>
     <p:extLst>
       <p:ext uri="{BB962C8B-B14F-4D97-AF65-F5344CB8AC3E}">
-        <p14:creationId xmlns:p14="http://schemas.microsoft.com/office/powerpoint/2010/main" val="3333383305"/>
+        <p14:creationId xmlns:p14="http://schemas.microsoft.com/office/powerpoint/2010/main" val="1637274594"/>
       </p:ext>
     </p:extLst>
   </p:cSld>
@@ -2046,7 +2046,7 @@
           <p:cNvPr id="2" name="日期占位符 1">
             <a:extLst>
               <a:ext uri="{FF2B5EF4-FFF2-40B4-BE49-F238E27FC236}">
-                <a16:creationId xmlns:a16="http://schemas.microsoft.com/office/drawing/2014/main" id="{80DE2EB0-8D42-303D-C3EF-6B6E68918CE6}"/>
+                <a16:creationId xmlns:a16="http://schemas.microsoft.com/office/drawing/2014/main" id="{66F6D1DC-C2E2-01B1-B7B1-34AF80605CD8}"/>
               </a:ext>
             </a:extLst>
           </p:cNvPr>
@@ -2062,7 +2062,7 @@
           <a:bodyPr/>
           <a:lstStyle/>
           <a:p>
-            <a:fld id="{FE428069-F624-444F-8EA3-9E9A11CE499A}" type="datetimeFigureOut">
+            <a:fld id="{649D7D32-1F17-4AD8-AE91-D4A04C6928A1}" type="datetimeFigureOut">
               <a:rPr lang="zh-CN" altLang="en-US" smtClean="0"/>
               <a:t>2024/3/10</a:t>
             </a:fld>
@@ -2075,7 +2075,7 @@
           <p:cNvPr id="3" name="页脚占位符 2">
             <a:extLst>
               <a:ext uri="{FF2B5EF4-FFF2-40B4-BE49-F238E27FC236}">
-                <a16:creationId xmlns:a16="http://schemas.microsoft.com/office/drawing/2014/main" id="{24124329-4C09-7F8A-9374-4A19FFFE300D}"/>
+                <a16:creationId xmlns:a16="http://schemas.microsoft.com/office/drawing/2014/main" id="{CD49B4D8-CB33-4F17-87AD-7161E847E03B}"/>
               </a:ext>
             </a:extLst>
           </p:cNvPr>
@@ -2100,7 +2100,7 @@
           <p:cNvPr id="4" name="灯片编号占位符 3">
             <a:extLst>
               <a:ext uri="{FF2B5EF4-FFF2-40B4-BE49-F238E27FC236}">
-                <a16:creationId xmlns:a16="http://schemas.microsoft.com/office/drawing/2014/main" id="{4662EC21-5AF5-0082-D682-AE8F1695138B}"/>
+                <a16:creationId xmlns:a16="http://schemas.microsoft.com/office/drawing/2014/main" id="{CCB7F53F-2C00-7D7E-AC23-280B5261E610}"/>
               </a:ext>
             </a:extLst>
           </p:cNvPr>
@@ -2116,7 +2116,7 @@
           <a:bodyPr/>
           <a:lstStyle/>
           <a:p>
-            <a:fld id="{D59BEFF7-5471-45DC-B5A9-599C9204AE70}" type="slidenum">
+            <a:fld id="{678C01EA-8731-47A1-A71D-88223EBADF5A}" type="slidenum">
               <a:rPr lang="zh-CN" altLang="en-US" smtClean="0"/>
               <a:t>‹#›</a:t>
             </a:fld>
@@ -2127,7 +2127,7 @@
     </p:spTree>
     <p:extLst>
       <p:ext uri="{BB962C8B-B14F-4D97-AF65-F5344CB8AC3E}">
-        <p14:creationId xmlns:p14="http://schemas.microsoft.com/office/powerpoint/2010/main" val="504957451"/>
+        <p14:creationId xmlns:p14="http://schemas.microsoft.com/office/powerpoint/2010/main" val="3817361059"/>
       </p:ext>
     </p:extLst>
   </p:cSld>
@@ -2159,7 +2159,7 @@
           <p:cNvPr id="2" name="标题 1">
             <a:extLst>
               <a:ext uri="{FF2B5EF4-FFF2-40B4-BE49-F238E27FC236}">
-                <a16:creationId xmlns:a16="http://schemas.microsoft.com/office/drawing/2014/main" id="{1E1D18D5-5BB9-8EA6-6115-EB2DA3623C56}"/>
+                <a16:creationId xmlns:a16="http://schemas.microsoft.com/office/drawing/2014/main" id="{324D7950-1A8E-DAC0-9703-62E5BFD5EA7E}"/>
               </a:ext>
             </a:extLst>
           </p:cNvPr>
@@ -2196,7 +2196,7 @@
           <p:cNvPr id="3" name="内容占位符 2">
             <a:extLst>
               <a:ext uri="{FF2B5EF4-FFF2-40B4-BE49-F238E27FC236}">
-                <a16:creationId xmlns:a16="http://schemas.microsoft.com/office/drawing/2014/main" id="{5B55C581-DE0B-1769-FDF3-B6FB14F3FCDF}"/>
+                <a16:creationId xmlns:a16="http://schemas.microsoft.com/office/drawing/2014/main" id="{8DDE5A87-5C77-628A-9DDB-6EDB00A40B9B}"/>
               </a:ext>
             </a:extLst>
           </p:cNvPr>
@@ -2286,7 +2286,7 @@
           <p:cNvPr id="4" name="文本占位符 3">
             <a:extLst>
               <a:ext uri="{FF2B5EF4-FFF2-40B4-BE49-F238E27FC236}">
-                <a16:creationId xmlns:a16="http://schemas.microsoft.com/office/drawing/2014/main" id="{FEAD7B51-BA9A-F418-F4A9-3E4AF3217B35}"/>
+                <a16:creationId xmlns:a16="http://schemas.microsoft.com/office/drawing/2014/main" id="{CD7E8BFF-A833-B3F6-7689-7828AF7CEC10}"/>
               </a:ext>
             </a:extLst>
           </p:cNvPr>
@@ -2357,7 +2357,7 @@
           <p:cNvPr id="5" name="日期占位符 4">
             <a:extLst>
               <a:ext uri="{FF2B5EF4-FFF2-40B4-BE49-F238E27FC236}">
-                <a16:creationId xmlns:a16="http://schemas.microsoft.com/office/drawing/2014/main" id="{55F8FDBA-DFDD-374E-90E1-6B005A59C8E5}"/>
+                <a16:creationId xmlns:a16="http://schemas.microsoft.com/office/drawing/2014/main" id="{99C1B129-1345-955E-5D5F-409B459EF823}"/>
               </a:ext>
             </a:extLst>
           </p:cNvPr>
@@ -2373,7 +2373,7 @@
           <a:bodyPr/>
           <a:lstStyle/>
           <a:p>
-            <a:fld id="{FE428069-F624-444F-8EA3-9E9A11CE499A}" type="datetimeFigureOut">
+            <a:fld id="{649D7D32-1F17-4AD8-AE91-D4A04C6928A1}" type="datetimeFigureOut">
               <a:rPr lang="zh-CN" altLang="en-US" smtClean="0"/>
               <a:t>2024/3/10</a:t>
             </a:fld>
@@ -2386,7 +2386,7 @@
           <p:cNvPr id="6" name="页脚占位符 5">
             <a:extLst>
               <a:ext uri="{FF2B5EF4-FFF2-40B4-BE49-F238E27FC236}">
-                <a16:creationId xmlns:a16="http://schemas.microsoft.com/office/drawing/2014/main" id="{7817FB8D-F273-0F50-B1B1-98A8AB12A011}"/>
+                <a16:creationId xmlns:a16="http://schemas.microsoft.com/office/drawing/2014/main" id="{07EB0091-2805-8B81-6B28-5B8967AE4D81}"/>
               </a:ext>
             </a:extLst>
           </p:cNvPr>
@@ -2411,7 +2411,7 @@
           <p:cNvPr id="7" name="灯片编号占位符 6">
             <a:extLst>
               <a:ext uri="{FF2B5EF4-FFF2-40B4-BE49-F238E27FC236}">
-                <a16:creationId xmlns:a16="http://schemas.microsoft.com/office/drawing/2014/main" id="{CF933D5E-8FAC-CF61-F46B-FEFDBE7B77E8}"/>
+                <a16:creationId xmlns:a16="http://schemas.microsoft.com/office/drawing/2014/main" id="{DBDA3AFA-4F74-2A8A-BF27-908D1F45CBF2}"/>
               </a:ext>
             </a:extLst>
           </p:cNvPr>
@@ -2427,7 +2427,7 @@
           <a:bodyPr/>
           <a:lstStyle/>
           <a:p>
-            <a:fld id="{D59BEFF7-5471-45DC-B5A9-599C9204AE70}" type="slidenum">
+            <a:fld id="{678C01EA-8731-47A1-A71D-88223EBADF5A}" type="slidenum">
               <a:rPr lang="zh-CN" altLang="en-US" smtClean="0"/>
               <a:t>‹#›</a:t>
             </a:fld>
@@ -2438,7 +2438,7 @@
     </p:spTree>
     <p:extLst>
       <p:ext uri="{BB962C8B-B14F-4D97-AF65-F5344CB8AC3E}">
-        <p14:creationId xmlns:p14="http://schemas.microsoft.com/office/powerpoint/2010/main" val="2774429833"/>
+        <p14:creationId xmlns:p14="http://schemas.microsoft.com/office/powerpoint/2010/main" val="1099606742"/>
       </p:ext>
     </p:extLst>
   </p:cSld>
@@ -2470,7 +2470,7 @@
           <p:cNvPr id="2" name="标题 1">
             <a:extLst>
               <a:ext uri="{FF2B5EF4-FFF2-40B4-BE49-F238E27FC236}">
-                <a16:creationId xmlns:a16="http://schemas.microsoft.com/office/drawing/2014/main" id="{B7FDB9E7-DFCB-7E57-34CA-B1A5866EE3A2}"/>
+                <a16:creationId xmlns:a16="http://schemas.microsoft.com/office/drawing/2014/main" id="{E2A05675-2903-7793-E095-ECAA2DE43867}"/>
               </a:ext>
             </a:extLst>
           </p:cNvPr>
@@ -2507,7 +2507,7 @@
           <p:cNvPr id="3" name="图片占位符 2">
             <a:extLst>
               <a:ext uri="{FF2B5EF4-FFF2-40B4-BE49-F238E27FC236}">
-                <a16:creationId xmlns:a16="http://schemas.microsoft.com/office/drawing/2014/main" id="{08A60CA3-F120-AD97-857A-38EA46160C93}"/>
+                <a16:creationId xmlns:a16="http://schemas.microsoft.com/office/drawing/2014/main" id="{3F50BAF7-9078-0A32-8794-FA5F2E75E5F9}"/>
               </a:ext>
             </a:extLst>
           </p:cNvPr>
@@ -2574,7 +2574,7 @@
           <p:cNvPr id="4" name="文本占位符 3">
             <a:extLst>
               <a:ext uri="{FF2B5EF4-FFF2-40B4-BE49-F238E27FC236}">
-                <a16:creationId xmlns:a16="http://schemas.microsoft.com/office/drawing/2014/main" id="{3730A466-FDDC-1B0F-9466-1B247246ABFF}"/>
+                <a16:creationId xmlns:a16="http://schemas.microsoft.com/office/drawing/2014/main" id="{6B9FE7CD-CE9D-9A98-6233-DF500024C543}"/>
               </a:ext>
             </a:extLst>
           </p:cNvPr>
@@ -2645,7 +2645,7 @@
           <p:cNvPr id="5" name="日期占位符 4">
             <a:extLst>
               <a:ext uri="{FF2B5EF4-FFF2-40B4-BE49-F238E27FC236}">
-                <a16:creationId xmlns:a16="http://schemas.microsoft.com/office/drawing/2014/main" id="{2C5C91E7-14C3-6CB3-55F0-D1B36AB7D5A7}"/>
+                <a16:creationId xmlns:a16="http://schemas.microsoft.com/office/drawing/2014/main" id="{46DBFC8B-807B-861E-B45F-C8C6FC398E46}"/>
               </a:ext>
             </a:extLst>
           </p:cNvPr>
@@ -2661,7 +2661,7 @@
           <a:bodyPr/>
           <a:lstStyle/>
           <a:p>
-            <a:fld id="{FE428069-F624-444F-8EA3-9E9A11CE499A}" type="datetimeFigureOut">
+            <a:fld id="{649D7D32-1F17-4AD8-AE91-D4A04C6928A1}" type="datetimeFigureOut">
               <a:rPr lang="zh-CN" altLang="en-US" smtClean="0"/>
               <a:t>2024/3/10</a:t>
             </a:fld>
@@ -2674,7 +2674,7 @@
           <p:cNvPr id="6" name="页脚占位符 5">
             <a:extLst>
               <a:ext uri="{FF2B5EF4-FFF2-40B4-BE49-F238E27FC236}">
-                <a16:creationId xmlns:a16="http://schemas.microsoft.com/office/drawing/2014/main" id="{D9007CF8-C7CB-2A45-E1B4-2CDAB9D55521}"/>
+                <a16:creationId xmlns:a16="http://schemas.microsoft.com/office/drawing/2014/main" id="{2F3531E2-4CAC-239D-ABB0-CD91FBC28844}"/>
               </a:ext>
             </a:extLst>
           </p:cNvPr>
@@ -2699,7 +2699,7 @@
           <p:cNvPr id="7" name="灯片编号占位符 6">
             <a:extLst>
               <a:ext uri="{FF2B5EF4-FFF2-40B4-BE49-F238E27FC236}">
-                <a16:creationId xmlns:a16="http://schemas.microsoft.com/office/drawing/2014/main" id="{7F0208E1-48A4-7958-9C2C-B6EBCB95BDCA}"/>
+                <a16:creationId xmlns:a16="http://schemas.microsoft.com/office/drawing/2014/main" id="{A6F732EE-E815-4F7C-765B-E39DDC7253D2}"/>
               </a:ext>
             </a:extLst>
           </p:cNvPr>
@@ -2715,7 +2715,7 @@
           <a:bodyPr/>
           <a:lstStyle/>
           <a:p>
-            <a:fld id="{D59BEFF7-5471-45DC-B5A9-599C9204AE70}" type="slidenum">
+            <a:fld id="{678C01EA-8731-47A1-A71D-88223EBADF5A}" type="slidenum">
               <a:rPr lang="zh-CN" altLang="en-US" smtClean="0"/>
               <a:t>‹#›</a:t>
             </a:fld>
@@ -2726,7 +2726,7 @@
     </p:spTree>
     <p:extLst>
       <p:ext uri="{BB962C8B-B14F-4D97-AF65-F5344CB8AC3E}">
-        <p14:creationId xmlns:p14="http://schemas.microsoft.com/office/powerpoint/2010/main" val="603286617"/>
+        <p14:creationId xmlns:p14="http://schemas.microsoft.com/office/powerpoint/2010/main" val="3210163305"/>
       </p:ext>
     </p:extLst>
   </p:cSld>
@@ -2763,7 +2763,7 @@
           <p:cNvPr id="2" name="标题占位符 1">
             <a:extLst>
               <a:ext uri="{FF2B5EF4-FFF2-40B4-BE49-F238E27FC236}">
-                <a16:creationId xmlns:a16="http://schemas.microsoft.com/office/drawing/2014/main" id="{363E2ADF-C114-32F8-538D-3DE7F472B62F}"/>
+                <a16:creationId xmlns:a16="http://schemas.microsoft.com/office/drawing/2014/main" id="{437297EB-6E7E-6970-BA83-9618E52994A0}"/>
               </a:ext>
             </a:extLst>
           </p:cNvPr>
@@ -2801,7 +2801,7 @@
           <p:cNvPr id="3" name="文本占位符 2">
             <a:extLst>
               <a:ext uri="{FF2B5EF4-FFF2-40B4-BE49-F238E27FC236}">
-                <a16:creationId xmlns:a16="http://schemas.microsoft.com/office/drawing/2014/main" id="{E2B9B35F-3A54-3B1E-DE47-C433B2FE25C3}"/>
+                <a16:creationId xmlns:a16="http://schemas.microsoft.com/office/drawing/2014/main" id="{47A7B354-0CAE-BA5C-AC23-73602CC24574}"/>
               </a:ext>
             </a:extLst>
           </p:cNvPr>
@@ -2868,7 +2868,7 @@
           <p:cNvPr id="4" name="日期占位符 3">
             <a:extLst>
               <a:ext uri="{FF2B5EF4-FFF2-40B4-BE49-F238E27FC236}">
-                <a16:creationId xmlns:a16="http://schemas.microsoft.com/office/drawing/2014/main" id="{B96B25AC-3165-23D8-A20D-A811D6909E16}"/>
+                <a16:creationId xmlns:a16="http://schemas.microsoft.com/office/drawing/2014/main" id="{04067512-90B8-EBAA-3489-FD0EAE8FA236}"/>
               </a:ext>
             </a:extLst>
           </p:cNvPr>
@@ -2902,7 +2902,7 @@
             </a:lvl1pPr>
           </a:lstStyle>
           <a:p>
-            <a:fld id="{FE428069-F624-444F-8EA3-9E9A11CE499A}" type="datetimeFigureOut">
+            <a:fld id="{649D7D32-1F17-4AD8-AE91-D4A04C6928A1}" type="datetimeFigureOut">
               <a:rPr lang="zh-CN" altLang="en-US" smtClean="0"/>
               <a:t>2024/3/10</a:t>
             </a:fld>
@@ -2915,7 +2915,7 @@
           <p:cNvPr id="5" name="页脚占位符 4">
             <a:extLst>
               <a:ext uri="{FF2B5EF4-FFF2-40B4-BE49-F238E27FC236}">
-                <a16:creationId xmlns:a16="http://schemas.microsoft.com/office/drawing/2014/main" id="{F714C4D0-D905-0603-86CC-63F92D6F1E2D}"/>
+                <a16:creationId xmlns:a16="http://schemas.microsoft.com/office/drawing/2014/main" id="{A6E76EAC-35A0-84F1-DE22-1D93609AEF18}"/>
               </a:ext>
             </a:extLst>
           </p:cNvPr>
@@ -2958,7 +2958,7 @@
           <p:cNvPr id="6" name="灯片编号占位符 5">
             <a:extLst>
               <a:ext uri="{FF2B5EF4-FFF2-40B4-BE49-F238E27FC236}">
-                <a16:creationId xmlns:a16="http://schemas.microsoft.com/office/drawing/2014/main" id="{702187AD-BD57-D46C-3463-4718EBD0FB60}"/>
+                <a16:creationId xmlns:a16="http://schemas.microsoft.com/office/drawing/2014/main" id="{2DB10E01-CF52-FED9-B473-3CDBDEBA6977}"/>
               </a:ext>
             </a:extLst>
           </p:cNvPr>
@@ -2992,7 +2992,7 @@
             </a:lvl1pPr>
           </a:lstStyle>
           <a:p>
-            <a:fld id="{D59BEFF7-5471-45DC-B5A9-599C9204AE70}" type="slidenum">
+            <a:fld id="{678C01EA-8731-47A1-A71D-88223EBADF5A}" type="slidenum">
               <a:rPr lang="zh-CN" altLang="en-US" smtClean="0"/>
               <a:t>‹#›</a:t>
             </a:fld>
@@ -3003,7 +3003,7 @@
     </p:spTree>
     <p:extLst>
       <p:ext uri="{BB962C8B-B14F-4D97-AF65-F5344CB8AC3E}">
-        <p14:creationId xmlns:p14="http://schemas.microsoft.com/office/powerpoint/2010/main" val="1474691674"/>
+        <p14:creationId xmlns:p14="http://schemas.microsoft.com/office/powerpoint/2010/main" val="3965876477"/>
       </p:ext>
     </p:extLst>
   </p:cSld>
@@ -3323,7 +3323,7 @@
       </p:grpSpPr>
       <p:pic>
         <p:nvPicPr>
-          <p:cNvPr id="737282" name="Picture 2" descr="719"/>
+          <p:cNvPr id="738306" name="Picture 2" descr="720"/>
           <p:cNvPicPr>
             <a:picLocks noChangeAspect="1" noChangeArrowheads="1"/>
           </p:cNvPicPr>
